--- a/The Ashy Bookshelf.pptx
+++ b/The Ashy Bookshelf.pptx
@@ -6,10 +6,11 @@
   </p:sldMasterIdLst>
   <p:sldIdLst>
     <p:sldId id="256" r:id="rId2"/>
-    <p:sldId id="259" r:id="rId3"/>
-    <p:sldId id="258" r:id="rId4"/>
-    <p:sldId id="260" r:id="rId5"/>
-    <p:sldId id="257" r:id="rId6"/>
+    <p:sldId id="261" r:id="rId3"/>
+    <p:sldId id="259" r:id="rId4"/>
+    <p:sldId id="258" r:id="rId5"/>
+    <p:sldId id="260" r:id="rId6"/>
+    <p:sldId id="257" r:id="rId7"/>
   </p:sldIdLst>
   <p:sldSz cx="12192000" cy="6858000"/>
   <p:notesSz cx="6858000" cy="9144000"/>
@@ -116,6 +117,10 @@
 </p:presentation>
 </file>
 
+<file path=ppt/revisionInfo.xml><?xml version="1.0" encoding="utf-8"?>
+<p1510:revInfo xmlns:a="http://schemas.openxmlformats.org/drawingml/2006/main" xmlns:r="http://schemas.openxmlformats.org/officeDocument/2006/relationships" xmlns:p1510="http://schemas.microsoft.com/office/powerpoint/2015/10/main"/>
+</file>
+
 <file path=ppt/slideLayouts/slideLayout1.xml><?xml version="1.0" encoding="utf-8"?>
 <p:sldLayout xmlns:a="http://schemas.openxmlformats.org/drawingml/2006/main" xmlns:r="http://schemas.openxmlformats.org/officeDocument/2006/relationships" xmlns:p="http://schemas.openxmlformats.org/presentationml/2006/main" type="title" preserve="1">
   <p:cSld name="Title Slide">
@@ -175,7 +180,7 @@
           </a:lstStyle>
           <a:p>
             <a:r>
-              <a:rPr lang="en-US" smtClean="0"/>
+              <a:rPr lang="en-US"/>
               <a:t>Click to edit Master title style</a:t>
             </a:r>
             <a:endParaRPr lang="en-US" dirty="0"/>
@@ -305,7 +310,7 @@
           </a:lstStyle>
           <a:p>
             <a:r>
-              <a:rPr lang="en-US" smtClean="0"/>
+              <a:rPr lang="en-US"/>
               <a:t>Click to edit Master subtitle style</a:t>
             </a:r>
             <a:endParaRPr lang="en-US" dirty="0"/>
@@ -329,7 +334,7 @@
           <a:p>
             <a:fld id="{6FF363D8-C003-4E9D-AEB0-E23FE70B4CED}" type="datetimeFigureOut">
               <a:rPr lang="en-US" smtClean="0"/>
-              <a:t>11/28/2017</a:t>
+              <a:t>11/29/2017</a:t>
             </a:fld>
             <a:endParaRPr lang="en-US"/>
           </a:p>
@@ -434,7 +439,7 @@
           </a:lstStyle>
           <a:p>
             <a:r>
-              <a:rPr lang="en-US" smtClean="0"/>
+              <a:rPr lang="en-US"/>
               <a:t>Click to edit Master title style</a:t>
             </a:r>
             <a:endParaRPr lang="en-US" dirty="0"/>
@@ -529,7 +534,7 @@
           </a:lstStyle>
           <a:p>
             <a:r>
-              <a:rPr lang="en-US" smtClean="0"/>
+              <a:rPr lang="en-US"/>
               <a:t>Click icon to add picture</a:t>
             </a:r>
             <a:endParaRPr lang="en-US" dirty="0"/>
@@ -597,7 +602,7 @@
           <a:p>
             <a:pPr lvl="0"/>
             <a:r>
-              <a:rPr lang="en-US" smtClean="0"/>
+              <a:rPr lang="en-US"/>
               <a:t>Edit Master text styles</a:t>
             </a:r>
           </a:p>
@@ -620,7 +625,7 @@
           <a:p>
             <a:fld id="{6FF363D8-C003-4E9D-AEB0-E23FE70B4CED}" type="datetimeFigureOut">
               <a:rPr lang="en-US" smtClean="0"/>
-              <a:t>11/28/2017</a:t>
+              <a:t>11/29/2017</a:t>
             </a:fld>
             <a:endParaRPr lang="en-US"/>
           </a:p>
@@ -725,7 +730,7 @@
           </a:lstStyle>
           <a:p>
             <a:r>
-              <a:rPr lang="en-US" smtClean="0"/>
+              <a:rPr lang="en-US"/>
               <a:t>Click to edit Master title style</a:t>
             </a:r>
             <a:endParaRPr lang="en-US" dirty="0"/>
@@ -856,7 +861,7 @@
           <a:p>
             <a:pPr lvl="0"/>
             <a:r>
-              <a:rPr lang="en-US" smtClean="0"/>
+              <a:rPr lang="en-US"/>
               <a:t>Edit Master text styles</a:t>
             </a:r>
           </a:p>
@@ -879,7 +884,7 @@
           <a:p>
             <a:fld id="{6FF363D8-C003-4E9D-AEB0-E23FE70B4CED}" type="datetimeFigureOut">
               <a:rPr lang="en-US" smtClean="0"/>
-              <a:t>11/28/2017</a:t>
+              <a:t>11/29/2017</a:t>
             </a:fld>
             <a:endParaRPr lang="en-US"/>
           </a:p>
@@ -1218,7 +1223,7 @@
           </a:lstStyle>
           <a:p>
             <a:r>
-              <a:rPr lang="en-US" smtClean="0"/>
+              <a:rPr lang="en-US"/>
               <a:t>Click to edit Master title style</a:t>
             </a:r>
             <a:endParaRPr lang="en-US" dirty="0"/>
@@ -1273,7 +1278,7 @@
           <a:p>
             <a:pPr lvl="0"/>
             <a:r>
-              <a:rPr lang="en-US" smtClean="0"/>
+              <a:rPr lang="en-US"/>
               <a:t>Edit Master text styles</a:t>
             </a:r>
           </a:p>
@@ -1325,7 +1330,7 @@
               <a:buNone/>
             </a:pPr>
             <a:r>
-              <a:rPr lang="en-US" smtClean="0"/>
+              <a:rPr lang="en-US"/>
               <a:t>Edit Master text styles</a:t>
             </a:r>
           </a:p>
@@ -1348,7 +1353,7 @@
           <a:p>
             <a:fld id="{6FF363D8-C003-4E9D-AEB0-E23FE70B4CED}" type="datetimeFigureOut">
               <a:rPr lang="en-US" smtClean="0"/>
-              <a:t>11/28/2017</a:t>
+              <a:t>11/29/2017</a:t>
             </a:fld>
             <a:endParaRPr lang="en-US"/>
           </a:p>
@@ -1453,7 +1458,7 @@
           </a:lstStyle>
           <a:p>
             <a:r>
-              <a:rPr lang="en-US" smtClean="0"/>
+              <a:rPr lang="en-US"/>
               <a:t>Click to edit Master title style</a:t>
             </a:r>
             <a:endParaRPr lang="en-US" dirty="0"/>
@@ -1505,7 +1510,7 @@
               <a:buNone/>
             </a:pPr>
             <a:r>
-              <a:rPr lang="en-US" smtClean="0"/>
+              <a:rPr lang="en-US"/>
               <a:t>Edit Master text styles</a:t>
             </a:r>
           </a:p>
@@ -1528,7 +1533,7 @@
           <a:p>
             <a:fld id="{6FF363D8-C003-4E9D-AEB0-E23FE70B4CED}" type="datetimeFigureOut">
               <a:rPr lang="en-US" smtClean="0"/>
-              <a:t>11/28/2017</a:t>
+              <a:t>11/29/2017</a:t>
             </a:fld>
             <a:endParaRPr lang="en-US"/>
           </a:p>
@@ -1878,7 +1883,7 @@
           </a:lstStyle>
           <a:p>
             <a:r>
-              <a:rPr lang="en-US" smtClean="0"/>
+              <a:rPr lang="en-US"/>
               <a:t>Click to edit Master title style</a:t>
             </a:r>
             <a:endParaRPr lang="en-US" dirty="0"/>
@@ -1951,7 +1956,7 @@
               <a:buNone/>
             </a:pPr>
             <a:r>
-              <a:rPr lang="en-US" smtClean="0"/>
+              <a:rPr lang="en-US"/>
               <a:t>Edit Master text styles</a:t>
             </a:r>
           </a:p>
@@ -2081,7 +2086,7 @@
           <a:p>
             <a:pPr lvl="0"/>
             <a:r>
-              <a:rPr lang="en-US" smtClean="0"/>
+              <a:rPr lang="en-US"/>
               <a:t>Edit Master text styles</a:t>
             </a:r>
           </a:p>
@@ -2104,7 +2109,7 @@
           <a:p>
             <a:fld id="{6FF363D8-C003-4E9D-AEB0-E23FE70B4CED}" type="datetimeFigureOut">
               <a:rPr lang="en-US" smtClean="0"/>
-              <a:t>11/28/2017</a:t>
+              <a:t>11/29/2017</a:t>
             </a:fld>
             <a:endParaRPr lang="en-US"/>
           </a:p>
@@ -2210,7 +2215,7 @@
           <a:p>
             <a:pPr marL="0" lvl="0"/>
             <a:r>
-              <a:rPr lang="en-US" smtClean="0"/>
+              <a:rPr lang="en-US"/>
               <a:t>Click to edit Master title style</a:t>
             </a:r>
             <a:endParaRPr lang="en-US" dirty="0"/>
@@ -2283,7 +2288,7 @@
               <a:buNone/>
             </a:pPr>
             <a:r>
-              <a:rPr lang="en-US" smtClean="0"/>
+              <a:rPr lang="en-US"/>
               <a:t>Edit Master text styles</a:t>
             </a:r>
           </a:p>
@@ -2413,7 +2418,7 @@
           <a:p>
             <a:pPr lvl="0"/>
             <a:r>
-              <a:rPr lang="en-US" smtClean="0"/>
+              <a:rPr lang="en-US"/>
               <a:t>Edit Master text styles</a:t>
             </a:r>
           </a:p>
@@ -2436,7 +2441,7 @@
           <a:p>
             <a:fld id="{6FF363D8-C003-4E9D-AEB0-E23FE70B4CED}" type="datetimeFigureOut">
               <a:rPr lang="en-US" smtClean="0"/>
-              <a:t>11/28/2017</a:t>
+              <a:t>11/29/2017</a:t>
             </a:fld>
             <a:endParaRPr lang="en-US"/>
           </a:p>
@@ -2535,7 +2540,7 @@
           <a:lstStyle/>
           <a:p>
             <a:r>
-              <a:rPr lang="en-US" smtClean="0"/>
+              <a:rPr lang="en-US"/>
               <a:t>Click to edit Master title style</a:t>
             </a:r>
             <a:endParaRPr lang="en-US" dirty="0"/>
@@ -2559,35 +2564,35 @@
           <a:p>
             <a:pPr lvl="0"/>
             <a:r>
-              <a:rPr lang="en-US" smtClean="0"/>
+              <a:rPr lang="en-US"/>
               <a:t>Edit Master text styles</a:t>
             </a:r>
           </a:p>
           <a:p>
             <a:pPr lvl="1"/>
             <a:r>
-              <a:rPr lang="en-US" smtClean="0"/>
+              <a:rPr lang="en-US"/>
               <a:t>Second level</a:t>
             </a:r>
           </a:p>
           <a:p>
             <a:pPr lvl="2"/>
             <a:r>
-              <a:rPr lang="en-US" smtClean="0"/>
+              <a:rPr lang="en-US"/>
               <a:t>Third level</a:t>
             </a:r>
           </a:p>
           <a:p>
             <a:pPr lvl="3"/>
             <a:r>
-              <a:rPr lang="en-US" smtClean="0"/>
+              <a:rPr lang="en-US"/>
               <a:t>Fourth level</a:t>
             </a:r>
           </a:p>
           <a:p>
             <a:pPr lvl="4"/>
             <a:r>
-              <a:rPr lang="en-US" smtClean="0"/>
+              <a:rPr lang="en-US"/>
               <a:t>Fifth level</a:t>
             </a:r>
             <a:endParaRPr lang="en-US" dirty="0"/>
@@ -2611,7 +2616,7 @@
           <a:p>
             <a:fld id="{6FF363D8-C003-4E9D-AEB0-E23FE70B4CED}" type="datetimeFigureOut">
               <a:rPr lang="en-US" smtClean="0"/>
-              <a:t>11/28/2017</a:t>
+              <a:t>11/29/2017</a:t>
             </a:fld>
             <a:endParaRPr lang="en-US"/>
           </a:p>
@@ -2710,7 +2715,7 @@
           <a:lstStyle/>
           <a:p>
             <a:r>
-              <a:rPr lang="en-US" smtClean="0"/>
+              <a:rPr lang="en-US"/>
               <a:t>Click to edit Master title style</a:t>
             </a:r>
             <a:endParaRPr lang="en-US" dirty="0"/>
@@ -2739,35 +2744,35 @@
           <a:p>
             <a:pPr lvl="0"/>
             <a:r>
-              <a:rPr lang="en-US" smtClean="0"/>
+              <a:rPr lang="en-US"/>
               <a:t>Edit Master text styles</a:t>
             </a:r>
           </a:p>
           <a:p>
             <a:pPr lvl="1"/>
             <a:r>
-              <a:rPr lang="en-US" smtClean="0"/>
+              <a:rPr lang="en-US"/>
               <a:t>Second level</a:t>
             </a:r>
           </a:p>
           <a:p>
             <a:pPr lvl="2"/>
             <a:r>
-              <a:rPr lang="en-US" smtClean="0"/>
+              <a:rPr lang="en-US"/>
               <a:t>Third level</a:t>
             </a:r>
           </a:p>
           <a:p>
             <a:pPr lvl="3"/>
             <a:r>
-              <a:rPr lang="en-US" smtClean="0"/>
+              <a:rPr lang="en-US"/>
               <a:t>Fourth level</a:t>
             </a:r>
           </a:p>
           <a:p>
             <a:pPr lvl="4"/>
             <a:r>
-              <a:rPr lang="en-US" smtClean="0"/>
+              <a:rPr lang="en-US"/>
               <a:t>Fifth level</a:t>
             </a:r>
             <a:endParaRPr lang="en-US" dirty="0"/>
@@ -2791,7 +2796,7 @@
           <a:p>
             <a:fld id="{6FF363D8-C003-4E9D-AEB0-E23FE70B4CED}" type="datetimeFigureOut">
               <a:rPr lang="en-US" smtClean="0"/>
-              <a:t>11/28/2017</a:t>
+              <a:t>11/29/2017</a:t>
             </a:fld>
             <a:endParaRPr lang="en-US"/>
           </a:p>
@@ -2885,7 +2890,7 @@
           <a:lstStyle/>
           <a:p>
             <a:r>
-              <a:rPr lang="en-US" smtClean="0"/>
+              <a:rPr lang="en-US"/>
               <a:t>Click to edit Master title style</a:t>
             </a:r>
             <a:endParaRPr lang="en-US" dirty="0"/>
@@ -2909,35 +2914,35 @@
           <a:p>
             <a:pPr lvl="0"/>
             <a:r>
-              <a:rPr lang="en-US" smtClean="0"/>
+              <a:rPr lang="en-US"/>
               <a:t>Edit Master text styles</a:t>
             </a:r>
           </a:p>
           <a:p>
             <a:pPr lvl="1"/>
             <a:r>
-              <a:rPr lang="en-US" smtClean="0"/>
+              <a:rPr lang="en-US"/>
               <a:t>Second level</a:t>
             </a:r>
           </a:p>
           <a:p>
             <a:pPr lvl="2"/>
             <a:r>
-              <a:rPr lang="en-US" smtClean="0"/>
+              <a:rPr lang="en-US"/>
               <a:t>Third level</a:t>
             </a:r>
           </a:p>
           <a:p>
             <a:pPr lvl="3"/>
             <a:r>
-              <a:rPr lang="en-US" smtClean="0"/>
+              <a:rPr lang="en-US"/>
               <a:t>Fourth level</a:t>
             </a:r>
           </a:p>
           <a:p>
             <a:pPr lvl="4"/>
             <a:r>
-              <a:rPr lang="en-US" smtClean="0"/>
+              <a:rPr lang="en-US"/>
               <a:t>Fifth level</a:t>
             </a:r>
             <a:endParaRPr lang="en-US" dirty="0"/>
@@ -2961,7 +2966,7 @@
           <a:p>
             <a:fld id="{6FF363D8-C003-4E9D-AEB0-E23FE70B4CED}" type="datetimeFigureOut">
               <a:rPr lang="en-US" smtClean="0"/>
-              <a:t>11/28/2017</a:t>
+              <a:t>11/29/2017</a:t>
             </a:fld>
             <a:endParaRPr lang="en-US"/>
           </a:p>
@@ -3064,7 +3069,7 @@
           </a:lstStyle>
           <a:p>
             <a:r>
-              <a:rPr lang="en-US" smtClean="0"/>
+              <a:rPr lang="en-US"/>
               <a:t>Click to edit Master title style</a:t>
             </a:r>
             <a:endParaRPr lang="en-US" dirty="0"/>
@@ -3195,7 +3200,7 @@
           <a:p>
             <a:pPr lvl="0"/>
             <a:r>
-              <a:rPr lang="en-US" smtClean="0"/>
+              <a:rPr lang="en-US"/>
               <a:t>Edit Master text styles</a:t>
             </a:r>
           </a:p>
@@ -3218,7 +3223,7 @@
           <a:p>
             <a:fld id="{6FF363D8-C003-4E9D-AEB0-E23FE70B4CED}" type="datetimeFigureOut">
               <a:rPr lang="en-US" smtClean="0"/>
-              <a:t>11/28/2017</a:t>
+              <a:t>11/29/2017</a:t>
             </a:fld>
             <a:endParaRPr lang="en-US"/>
           </a:p>
@@ -3312,7 +3317,7 @@
           <a:lstStyle/>
           <a:p>
             <a:r>
-              <a:rPr lang="en-US" smtClean="0"/>
+              <a:rPr lang="en-US"/>
               <a:t>Click to edit Master title style</a:t>
             </a:r>
             <a:endParaRPr lang="en-US" dirty="0"/>
@@ -3371,35 +3376,35 @@
           <a:p>
             <a:pPr lvl="0"/>
             <a:r>
-              <a:rPr lang="en-US" smtClean="0"/>
+              <a:rPr lang="en-US"/>
               <a:t>Edit Master text styles</a:t>
             </a:r>
           </a:p>
           <a:p>
             <a:pPr lvl="1"/>
             <a:r>
-              <a:rPr lang="en-US" smtClean="0"/>
+              <a:rPr lang="en-US"/>
               <a:t>Second level</a:t>
             </a:r>
           </a:p>
           <a:p>
             <a:pPr lvl="2"/>
             <a:r>
-              <a:rPr lang="en-US" smtClean="0"/>
+              <a:rPr lang="en-US"/>
               <a:t>Third level</a:t>
             </a:r>
           </a:p>
           <a:p>
             <a:pPr lvl="3"/>
             <a:r>
-              <a:rPr lang="en-US" smtClean="0"/>
+              <a:rPr lang="en-US"/>
               <a:t>Fourth level</a:t>
             </a:r>
           </a:p>
           <a:p>
             <a:pPr lvl="4"/>
             <a:r>
-              <a:rPr lang="en-US" smtClean="0"/>
+              <a:rPr lang="en-US"/>
               <a:t>Fifth level</a:t>
             </a:r>
             <a:endParaRPr lang="en-US" dirty="0"/>
@@ -3458,35 +3463,35 @@
           <a:p>
             <a:pPr lvl="0"/>
             <a:r>
-              <a:rPr lang="en-US" smtClean="0"/>
+              <a:rPr lang="en-US"/>
               <a:t>Edit Master text styles</a:t>
             </a:r>
           </a:p>
           <a:p>
             <a:pPr lvl="1"/>
             <a:r>
-              <a:rPr lang="en-US" smtClean="0"/>
+              <a:rPr lang="en-US"/>
               <a:t>Second level</a:t>
             </a:r>
           </a:p>
           <a:p>
             <a:pPr lvl="2"/>
             <a:r>
-              <a:rPr lang="en-US" smtClean="0"/>
+              <a:rPr lang="en-US"/>
               <a:t>Third level</a:t>
             </a:r>
           </a:p>
           <a:p>
             <a:pPr lvl="3"/>
             <a:r>
-              <a:rPr lang="en-US" smtClean="0"/>
+              <a:rPr lang="en-US"/>
               <a:t>Fourth level</a:t>
             </a:r>
           </a:p>
           <a:p>
             <a:pPr lvl="4"/>
             <a:r>
-              <a:rPr lang="en-US" smtClean="0"/>
+              <a:rPr lang="en-US"/>
               <a:t>Fifth level</a:t>
             </a:r>
             <a:endParaRPr lang="en-US" dirty="0"/>
@@ -3510,7 +3515,7 @@
           <a:p>
             <a:fld id="{6FF363D8-C003-4E9D-AEB0-E23FE70B4CED}" type="datetimeFigureOut">
               <a:rPr lang="en-US" smtClean="0"/>
-              <a:t>11/28/2017</a:t>
+              <a:t>11/29/2017</a:t>
             </a:fld>
             <a:endParaRPr lang="en-US"/>
           </a:p>
@@ -3608,7 +3613,7 @@
           </a:lstStyle>
           <a:p>
             <a:r>
-              <a:rPr lang="en-US" smtClean="0"/>
+              <a:rPr lang="en-US"/>
               <a:t>Click to edit Master title style</a:t>
             </a:r>
             <a:endParaRPr lang="en-US" dirty="0"/>
@@ -3676,7 +3681,7 @@
           <a:p>
             <a:pPr lvl="0"/>
             <a:r>
-              <a:rPr lang="en-US" smtClean="0"/>
+              <a:rPr lang="en-US"/>
               <a:t>Edit Master text styles</a:t>
             </a:r>
           </a:p>
@@ -3734,35 +3739,35 @@
           <a:p>
             <a:pPr lvl="0"/>
             <a:r>
-              <a:rPr lang="en-US" smtClean="0"/>
+              <a:rPr lang="en-US"/>
               <a:t>Edit Master text styles</a:t>
             </a:r>
           </a:p>
           <a:p>
             <a:pPr lvl="1"/>
             <a:r>
-              <a:rPr lang="en-US" smtClean="0"/>
+              <a:rPr lang="en-US"/>
               <a:t>Second level</a:t>
             </a:r>
           </a:p>
           <a:p>
             <a:pPr lvl="2"/>
             <a:r>
-              <a:rPr lang="en-US" smtClean="0"/>
+              <a:rPr lang="en-US"/>
               <a:t>Third level</a:t>
             </a:r>
           </a:p>
           <a:p>
             <a:pPr lvl="3"/>
             <a:r>
-              <a:rPr lang="en-US" smtClean="0"/>
+              <a:rPr lang="en-US"/>
               <a:t>Fourth level</a:t>
             </a:r>
           </a:p>
           <a:p>
             <a:pPr lvl="4"/>
             <a:r>
-              <a:rPr lang="en-US" smtClean="0"/>
+              <a:rPr lang="en-US"/>
               <a:t>Fifth level</a:t>
             </a:r>
             <a:endParaRPr lang="en-US" dirty="0"/>
@@ -3830,7 +3835,7 @@
           <a:p>
             <a:pPr lvl="0"/>
             <a:r>
-              <a:rPr lang="en-US" smtClean="0"/>
+              <a:rPr lang="en-US"/>
               <a:t>Edit Master text styles</a:t>
             </a:r>
           </a:p>
@@ -3888,35 +3893,35 @@
           <a:p>
             <a:pPr lvl="0"/>
             <a:r>
-              <a:rPr lang="en-US" smtClean="0"/>
+              <a:rPr lang="en-US"/>
               <a:t>Edit Master text styles</a:t>
             </a:r>
           </a:p>
           <a:p>
             <a:pPr lvl="1"/>
             <a:r>
-              <a:rPr lang="en-US" smtClean="0"/>
+              <a:rPr lang="en-US"/>
               <a:t>Second level</a:t>
             </a:r>
           </a:p>
           <a:p>
             <a:pPr lvl="2"/>
             <a:r>
-              <a:rPr lang="en-US" smtClean="0"/>
+              <a:rPr lang="en-US"/>
               <a:t>Third level</a:t>
             </a:r>
           </a:p>
           <a:p>
             <a:pPr lvl="3"/>
             <a:r>
-              <a:rPr lang="en-US" smtClean="0"/>
+              <a:rPr lang="en-US"/>
               <a:t>Fourth level</a:t>
             </a:r>
           </a:p>
           <a:p>
             <a:pPr lvl="4"/>
             <a:r>
-              <a:rPr lang="en-US" smtClean="0"/>
+              <a:rPr lang="en-US"/>
               <a:t>Fifth level</a:t>
             </a:r>
             <a:endParaRPr lang="en-US" dirty="0"/>
@@ -3940,7 +3945,7 @@
           <a:p>
             <a:fld id="{6FF363D8-C003-4E9D-AEB0-E23FE70B4CED}" type="datetimeFigureOut">
               <a:rPr lang="en-US" smtClean="0"/>
-              <a:t>11/28/2017</a:t>
+              <a:t>11/29/2017</a:t>
             </a:fld>
             <a:endParaRPr lang="en-US"/>
           </a:p>
@@ -4034,7 +4039,7 @@
           <a:lstStyle/>
           <a:p>
             <a:r>
-              <a:rPr lang="en-US" smtClean="0"/>
+              <a:rPr lang="en-US"/>
               <a:t>Click to edit Master title style</a:t>
             </a:r>
             <a:endParaRPr lang="en-US" dirty="0"/>
@@ -4058,7 +4063,7 @@
           <a:p>
             <a:fld id="{6FF363D8-C003-4E9D-AEB0-E23FE70B4CED}" type="datetimeFigureOut">
               <a:rPr lang="en-US" smtClean="0"/>
-              <a:t>11/28/2017</a:t>
+              <a:t>11/29/2017</a:t>
             </a:fld>
             <a:endParaRPr lang="en-US"/>
           </a:p>
@@ -4153,7 +4158,7 @@
           <a:p>
             <a:fld id="{6FF363D8-C003-4E9D-AEB0-E23FE70B4CED}" type="datetimeFigureOut">
               <a:rPr lang="en-US" smtClean="0"/>
-              <a:t>11/28/2017</a:t>
+              <a:t>11/29/2017</a:t>
             </a:fld>
             <a:endParaRPr lang="en-US"/>
           </a:p>
@@ -4258,7 +4263,7 @@
           </a:lstStyle>
           <a:p>
             <a:r>
-              <a:rPr lang="en-US" smtClean="0"/>
+              <a:rPr lang="en-US"/>
               <a:t>Click to edit Master title style</a:t>
             </a:r>
             <a:endParaRPr lang="en-US" dirty="0"/>
@@ -4317,35 +4322,35 @@
           <a:p>
             <a:pPr lvl="0"/>
             <a:r>
-              <a:rPr lang="en-US" smtClean="0"/>
+              <a:rPr lang="en-US"/>
               <a:t>Edit Master text styles</a:t>
             </a:r>
           </a:p>
           <a:p>
             <a:pPr lvl="1"/>
             <a:r>
-              <a:rPr lang="en-US" smtClean="0"/>
+              <a:rPr lang="en-US"/>
               <a:t>Second level</a:t>
             </a:r>
           </a:p>
           <a:p>
             <a:pPr lvl="2"/>
             <a:r>
-              <a:rPr lang="en-US" smtClean="0"/>
+              <a:rPr lang="en-US"/>
               <a:t>Third level</a:t>
             </a:r>
           </a:p>
           <a:p>
             <a:pPr lvl="3"/>
             <a:r>
-              <a:rPr lang="en-US" smtClean="0"/>
+              <a:rPr lang="en-US"/>
               <a:t>Fourth level</a:t>
             </a:r>
           </a:p>
           <a:p>
             <a:pPr lvl="4"/>
             <a:r>
-              <a:rPr lang="en-US" smtClean="0"/>
+              <a:rPr lang="en-US"/>
               <a:t>Fifth level</a:t>
             </a:r>
             <a:endParaRPr lang="en-US" dirty="0"/>
@@ -4413,7 +4418,7 @@
           <a:p>
             <a:pPr lvl="0"/>
             <a:r>
-              <a:rPr lang="en-US" smtClean="0"/>
+              <a:rPr lang="en-US"/>
               <a:t>Edit Master text styles</a:t>
             </a:r>
           </a:p>
@@ -4436,7 +4441,7 @@
           <a:p>
             <a:fld id="{6FF363D8-C003-4E9D-AEB0-E23FE70B4CED}" type="datetimeFigureOut">
               <a:rPr lang="en-US" smtClean="0"/>
-              <a:t>11/28/2017</a:t>
+              <a:t>11/29/2017</a:t>
             </a:fld>
             <a:endParaRPr lang="en-US"/>
           </a:p>
@@ -4541,7 +4546,7 @@
           </a:lstStyle>
           <a:p>
             <a:r>
-              <a:rPr lang="en-US" smtClean="0"/>
+              <a:rPr lang="en-US"/>
               <a:t>Click to edit Master title style</a:t>
             </a:r>
             <a:endParaRPr lang="en-US" dirty="0"/>
@@ -4631,7 +4636,7 @@
           </a:lstStyle>
           <a:p>
             <a:r>
-              <a:rPr lang="en-US" smtClean="0"/>
+              <a:rPr lang="en-US"/>
               <a:t>Click icon to add picture</a:t>
             </a:r>
             <a:endParaRPr lang="en-US" dirty="0"/>
@@ -4699,7 +4704,7 @@
           <a:p>
             <a:pPr lvl="0"/>
             <a:r>
-              <a:rPr lang="en-US" smtClean="0"/>
+              <a:rPr lang="en-US"/>
               <a:t>Edit Master text styles</a:t>
             </a:r>
           </a:p>
@@ -4727,7 +4732,7 @@
           <a:p>
             <a:fld id="{6FF363D8-C003-4E9D-AEB0-E23FE70B4CED}" type="datetimeFigureOut">
               <a:rPr lang="en-US" smtClean="0"/>
-              <a:t>11/28/2017</a:t>
+              <a:t>11/29/2017</a:t>
             </a:fld>
             <a:endParaRPr lang="en-US"/>
           </a:p>
@@ -4846,7 +4851,7 @@
           <a:lstStyle/>
           <a:p>
             <a:r>
-              <a:rPr lang="en-US" smtClean="0"/>
+              <a:rPr lang="en-US"/>
               <a:t>Click to edit Master title style</a:t>
             </a:r>
             <a:endParaRPr lang="en-US" dirty="0"/>
@@ -4880,35 +4885,35 @@
           <a:p>
             <a:pPr lvl="0"/>
             <a:r>
-              <a:rPr lang="en-US" smtClean="0"/>
+              <a:rPr lang="en-US"/>
               <a:t>Edit Master text styles</a:t>
             </a:r>
           </a:p>
           <a:p>
             <a:pPr lvl="1"/>
             <a:r>
-              <a:rPr lang="en-US" smtClean="0"/>
+              <a:rPr lang="en-US"/>
               <a:t>Second level</a:t>
             </a:r>
           </a:p>
           <a:p>
             <a:pPr lvl="2"/>
             <a:r>
-              <a:rPr lang="en-US" smtClean="0"/>
+              <a:rPr lang="en-US"/>
               <a:t>Third level</a:t>
             </a:r>
           </a:p>
           <a:p>
             <a:pPr lvl="3"/>
             <a:r>
-              <a:rPr lang="en-US" smtClean="0"/>
+              <a:rPr lang="en-US"/>
               <a:t>Fourth level</a:t>
             </a:r>
           </a:p>
           <a:p>
             <a:pPr lvl="4"/>
             <a:r>
-              <a:rPr lang="en-US" smtClean="0"/>
+              <a:rPr lang="en-US"/>
               <a:t>Fifth level</a:t>
             </a:r>
             <a:endParaRPr lang="en-US" dirty="0"/>
@@ -4958,7 +4963,7 @@
           <a:p>
             <a:fld id="{6FF363D8-C003-4E9D-AEB0-E23FE70B4CED}" type="datetimeFigureOut">
               <a:rPr lang="en-US" smtClean="0"/>
-              <a:t>11/28/2017</a:t>
+              <a:t>11/29/2017</a:t>
             </a:fld>
             <a:endParaRPr lang="en-US"/>
           </a:p>
@@ -5745,38 +5750,29 @@
           <a:lstStyle/>
           <a:p>
             <a:r>
-              <a:rPr lang="en-US" sz="3200" cap="none" dirty="0" smtClean="0"/>
+              <a:rPr lang="en-US" sz="3200" cap="none" dirty="0"/>
               <a:t>The Ashy Bookshelf</a:t>
             </a:r>
             <a:br>
-              <a:rPr lang="en-US" sz="3200" cap="none" dirty="0" smtClean="0"/>
+              <a:rPr lang="en-US" sz="3200" cap="none" dirty="0"/>
+            </a:br>
+            <a:br>
+              <a:rPr lang="en-US" sz="3200" cap="none" dirty="0"/>
             </a:br>
             <a:r>
-              <a:rPr lang="en-US" sz="3200" cap="none" dirty="0" smtClean="0"/>
-              <a:t/>
-            </a:r>
-            <a:br>
-              <a:rPr lang="en-US" sz="3200" cap="none" dirty="0" smtClean="0"/>
-            </a:br>
-            <a:r>
-              <a:rPr lang="en-US" sz="1800" cap="none" dirty="0" smtClean="0"/>
+              <a:rPr lang="en-US" sz="1800" cap="none" dirty="0"/>
               <a:t>(aka)</a:t>
             </a:r>
             <a:br>
-              <a:rPr lang="en-US" sz="1800" cap="none" dirty="0" smtClean="0"/>
+              <a:rPr lang="en-US" sz="1800" cap="none" dirty="0"/>
+            </a:br>
+            <a:br>
+              <a:rPr lang="en-US" sz="3200" cap="none" dirty="0"/>
             </a:br>
             <a:r>
-              <a:rPr lang="en-US" sz="3200" cap="none" dirty="0" smtClean="0"/>
-              <a:t/>
-            </a:r>
-            <a:br>
-              <a:rPr lang="en-US" sz="3200" cap="none" dirty="0" smtClean="0"/>
-            </a:br>
-            <a:r>
-              <a:rPr lang="en-US" sz="3200" cap="none" dirty="0" smtClean="0"/>
+              <a:rPr lang="en-US" sz="3200" cap="none" dirty="0"/>
               <a:t>United States_LibSyncOS_ME_2000_X_TM</a:t>
             </a:r>
-            <a:endParaRPr lang="en-US" sz="3200" cap="none" dirty="0"/>
           </a:p>
         </p:txBody>
       </p:sp>
@@ -5803,19 +5799,19 @@
           <a:lstStyle/>
           <a:p>
             <a:r>
-              <a:rPr lang="en-US" dirty="0" smtClean="0"/>
+              <a:rPr lang="en-US" dirty="0"/>
               <a:t>Team 9</a:t>
             </a:r>
           </a:p>
           <a:p>
             <a:r>
-              <a:rPr lang="en-US" dirty="0" smtClean="0"/>
+              <a:rPr lang="en-US" dirty="0"/>
               <a:t>Justin Coen Austen Henry</a:t>
             </a:r>
           </a:p>
           <a:p>
             <a:r>
-              <a:rPr lang="en-US" dirty="0" smtClean="0"/>
+              <a:rPr lang="en-US" dirty="0"/>
               <a:t>Zach Marcolesco Tricia Schmitz Reagan Wood</a:t>
             </a:r>
           </a:p>
@@ -5835,6 +5831,214 @@
 </file>
 
 <file path=ppt/slides/slide2.xml><?xml version="1.0" encoding="utf-8"?>
+<p:sld xmlns:a="http://schemas.openxmlformats.org/drawingml/2006/main" xmlns:r="http://schemas.openxmlformats.org/officeDocument/2006/relationships" xmlns:p="http://schemas.openxmlformats.org/presentationml/2006/main">
+  <p:cSld>
+    <p:bg>
+      <p:bgPr>
+        <a:blipFill rotWithShape="1">
+          <a:blip r:embed="rId2">
+            <a:duotone>
+              <a:schemeClr val="bg2">
+                <a:shade val="28000"/>
+                <a:satMod val="94000"/>
+                <a:lumMod val="20000"/>
+              </a:schemeClr>
+              <a:schemeClr val="bg2">
+                <a:tint val="94000"/>
+                <a:shade val="84000"/>
+                <a:satMod val="148000"/>
+                <a:lumMod val="114000"/>
+              </a:schemeClr>
+            </a:duotone>
+            <a:extLst/>
+          </a:blip>
+          <a:stretch/>
+        </a:blipFill>
+        <a:effectLst/>
+      </p:bgPr>
+    </p:bg>
+    <p:spTree>
+      <p:nvGrpSpPr>
+        <p:cNvPr id="1" name=""/>
+        <p:cNvGrpSpPr/>
+        <p:nvPr/>
+      </p:nvGrpSpPr>
+      <p:grpSpPr>
+        <a:xfrm>
+          <a:off x="0" y="0"/>
+          <a:ext cx="0" cy="0"/>
+          <a:chOff x="0" y="0"/>
+          <a:chExt cx="0" cy="0"/>
+        </a:xfrm>
+      </p:grpSpPr>
+      <p:pic>
+        <p:nvPicPr>
+          <p:cNvPr id="1026" name="Picture 2" descr="http://media.graytvinc.com/images/dusty+bookshelf+fire.jpg">
+            <a:extLst>
+              <a:ext uri="{FF2B5EF4-FFF2-40B4-BE49-F238E27FC236}">
+                <a16:creationId xmlns:a16="http://schemas.microsoft.com/office/drawing/2014/main" id="{DF7DA451-6872-452E-B625-0EB2C4295454}"/>
+              </a:ext>
+            </a:extLst>
+          </p:cNvPr>
+          <p:cNvPicPr>
+            <a:picLocks noGrp="1" noChangeAspect="1" noChangeArrowheads="1"/>
+          </p:cNvPicPr>
+          <p:nvPr>
+            <p:ph sz="half" idx="2"/>
+          </p:nvPr>
+        </p:nvPicPr>
+        <p:blipFill rotWithShape="1">
+          <a:blip r:embed="rId3">
+            <a:extLst>
+              <a:ext uri="{28A0092B-C50C-407E-A947-70E740481C1C}">
+                <a14:useLocalDpi xmlns:a14="http://schemas.microsoft.com/office/drawing/2010/main" val="0"/>
+              </a:ext>
+            </a:extLst>
+          </a:blip>
+          <a:srcRect l="25862" r="-1" b="-1"/>
+          <a:stretch/>
+        </p:blipFill>
+        <p:spPr bwMode="auto">
+          <a:xfrm>
+            <a:off x="4630994" y="645106"/>
+            <a:ext cx="6916633" cy="5247747"/>
+          </a:xfrm>
+          <a:prstGeom prst="roundRect">
+            <a:avLst>
+              <a:gd name="adj" fmla="val 3517"/>
+            </a:avLst>
+          </a:prstGeom>
+          <a:noFill/>
+          <a:ln w="38100">
+            <a:gradFill flip="none" rotWithShape="1">
+              <a:gsLst>
+                <a:gs pos="0">
+                  <a:srgbClr val="363D46"/>
+                </a:gs>
+                <a:gs pos="100000">
+                  <a:srgbClr val="363D46">
+                    <a:lumMod val="75000"/>
+                  </a:srgbClr>
+                </a:gs>
+              </a:gsLst>
+              <a:lin ang="5400000" scaled="0"/>
+              <a:tileRect/>
+            </a:gradFill>
+          </a:ln>
+          <a:effectLst>
+            <a:innerShdw blurRad="57150" dist="38100" dir="14460000">
+              <a:srgbClr val="000000">
+                <a:alpha val="70000"/>
+              </a:srgbClr>
+            </a:innerShdw>
+          </a:effectLst>
+          <a:extLst>
+            <a:ext uri="{909E8E84-426E-40DD-AFC4-6F175D3DCCD1}">
+              <a14:hiddenFill xmlns:a14="http://schemas.microsoft.com/office/drawing/2010/main">
+                <a:solidFill>
+                  <a:srgbClr val="FFFFFF"/>
+                </a:solidFill>
+              </a14:hiddenFill>
+            </a:ext>
+          </a:extLst>
+        </p:spPr>
+      </p:pic>
+      <p:sp>
+        <p:nvSpPr>
+          <p:cNvPr id="2" name="Title 1">
+            <a:extLst>
+              <a:ext uri="{FF2B5EF4-FFF2-40B4-BE49-F238E27FC236}">
+                <a16:creationId xmlns:a16="http://schemas.microsoft.com/office/drawing/2014/main" id="{BD9F4DAE-B123-43DA-9D92-D48413E61768}"/>
+              </a:ext>
+            </a:extLst>
+          </p:cNvPr>
+          <p:cNvSpPr>
+            <a:spLocks noGrp="1"/>
+          </p:cNvSpPr>
+          <p:nvPr>
+            <p:ph type="title"/>
+          </p:nvPr>
+        </p:nvSpPr>
+        <p:spPr>
+          <a:xfrm>
+            <a:off x="643192" y="609600"/>
+            <a:ext cx="3643674" cy="1905000"/>
+          </a:xfrm>
+        </p:spPr>
+        <p:txBody>
+          <a:bodyPr vert="horz" lIns="91440" tIns="45720" rIns="91440" bIns="45720" rtlCol="0" anchor="ctr">
+            <a:normAutofit/>
+          </a:bodyPr>
+          <a:lstStyle/>
+          <a:p>
+            <a:r>
+              <a:rPr lang="en-US" sz="2800"/>
+              <a:t>Scenario</a:t>
+            </a:r>
+          </a:p>
+        </p:txBody>
+      </p:sp>
+      <p:sp>
+        <p:nvSpPr>
+          <p:cNvPr id="4" name="Content Placeholder 3">
+            <a:extLst>
+              <a:ext uri="{FF2B5EF4-FFF2-40B4-BE49-F238E27FC236}">
+                <a16:creationId xmlns:a16="http://schemas.microsoft.com/office/drawing/2014/main" id="{9B124DF7-C773-474C-9985-2551FD171037}"/>
+              </a:ext>
+            </a:extLst>
+          </p:cNvPr>
+          <p:cNvSpPr>
+            <a:spLocks noGrp="1"/>
+          </p:cNvSpPr>
+          <p:nvPr>
+            <p:ph sz="half" idx="1"/>
+          </p:nvPr>
+        </p:nvSpPr>
+        <p:spPr>
+          <a:xfrm>
+            <a:off x="643192" y="2666999"/>
+            <a:ext cx="3643674" cy="3216276"/>
+          </a:xfrm>
+        </p:spPr>
+        <p:txBody>
+          <a:bodyPr vert="horz" lIns="91440" tIns="45720" rIns="91440" bIns="45720" rtlCol="0" anchor="ctr">
+            <a:normAutofit/>
+          </a:bodyPr>
+          <a:lstStyle/>
+          <a:p>
+            <a:r>
+              <a:rPr lang="en-US" dirty="0"/>
+              <a:t>A local bookstore has burned down</a:t>
+            </a:r>
+          </a:p>
+          <a:p>
+            <a:r>
+              <a:rPr lang="en-US" dirty="0"/>
+              <a:t>Bankrupt from the damages, it is converted into a non-profit library</a:t>
+            </a:r>
+          </a:p>
+          <a:p>
+            <a:r>
+              <a:rPr lang="en-US"/>
+              <a:t>Software development needed</a:t>
+            </a:r>
+          </a:p>
+        </p:txBody>
+      </p:sp>
+    </p:spTree>
+    <p:extLst>
+      <p:ext uri="{BB962C8B-B14F-4D97-AF65-F5344CB8AC3E}">
+        <p14:creationId xmlns:p14="http://schemas.microsoft.com/office/powerpoint/2010/main" val="1488766780"/>
+      </p:ext>
+    </p:extLst>
+  </p:cSld>
+  <p:clrMapOvr>
+    <a:masterClrMapping/>
+  </p:clrMapOvr>
+</p:sld>
+</file>
+
+<file path=ppt/slides/slide3.xml><?xml version="1.0" encoding="utf-8"?>
 <p:sld xmlns:a="http://schemas.openxmlformats.org/drawingml/2006/main" xmlns:r="http://schemas.openxmlformats.org/officeDocument/2006/relationships" xmlns:p="http://schemas.openxmlformats.org/presentationml/2006/main">
   <p:cSld>
     <p:spTree>
@@ -5872,10 +6076,9 @@
           <a:lstStyle/>
           <a:p>
             <a:r>
-              <a:rPr lang="en-US" dirty="0" smtClean="0"/>
+              <a:rPr lang="en-US" dirty="0"/>
               <a:t>Library System</a:t>
             </a:r>
-            <a:endParaRPr lang="en-US" dirty="0"/>
           </a:p>
         </p:txBody>
       </p:sp>
@@ -5902,70 +6105,69 @@
           <a:lstStyle/>
           <a:p>
             <a:r>
-              <a:rPr lang="en-US" cap="none" dirty="0" smtClean="0"/>
+              <a:rPr lang="en-US" cap="none" dirty="0"/>
               <a:t>Has 2 types of users: Customers and Administrators</a:t>
             </a:r>
           </a:p>
           <a:p>
             <a:r>
-              <a:rPr lang="en-US" cap="none" dirty="0" smtClean="0"/>
+              <a:rPr lang="en-US" cap="none" dirty="0"/>
               <a:t>Stores 2 types of items: Books and Movies</a:t>
             </a:r>
           </a:p>
           <a:p>
             <a:r>
-              <a:rPr lang="en-US" cap="none" dirty="0" smtClean="0"/>
+              <a:rPr lang="en-US" cap="none" dirty="0"/>
               <a:t>Customers can:</a:t>
             </a:r>
           </a:p>
           <a:p>
             <a:pPr lvl="1"/>
             <a:r>
-              <a:rPr lang="en-US" cap="none" dirty="0" smtClean="0"/>
+              <a:rPr lang="en-US" cap="none" dirty="0"/>
               <a:t>search items by title, genre and people associated with an item</a:t>
             </a:r>
           </a:p>
           <a:p>
             <a:pPr lvl="1"/>
             <a:r>
-              <a:rPr lang="en-US" cap="none" dirty="0" smtClean="0"/>
+              <a:rPr lang="en-US" cap="none" dirty="0"/>
               <a:t>check out and return items</a:t>
             </a:r>
           </a:p>
           <a:p>
             <a:pPr lvl="1"/>
             <a:r>
-              <a:rPr lang="en-US" cap="none" dirty="0" smtClean="0"/>
+              <a:rPr lang="en-US" cap="none" dirty="0"/>
               <a:t>view their account info, including fines, and what items they have checked out</a:t>
             </a:r>
           </a:p>
           <a:p>
             <a:r>
-              <a:rPr lang="en-US" cap="none" dirty="0" smtClean="0"/>
+              <a:rPr lang="en-US" cap="none" dirty="0"/>
               <a:t>Administrators can:</a:t>
             </a:r>
           </a:p>
           <a:p>
             <a:pPr lvl="1"/>
             <a:r>
-              <a:rPr lang="en-US" cap="none" dirty="0" smtClean="0"/>
+              <a:rPr lang="en-US" cap="none" dirty="0"/>
               <a:t>add fines to a user for an overdue or damaged item</a:t>
             </a:r>
           </a:p>
           <a:p>
             <a:pPr lvl="1"/>
             <a:r>
-              <a:rPr lang="en-US" cap="none" dirty="0" smtClean="0"/>
+              <a:rPr lang="en-US" cap="none" dirty="0"/>
               <a:t>add/delete Items (Book or Movie), Contributors (Actor, Director Author), and Awards for contributors</a:t>
             </a:r>
           </a:p>
           <a:p>
             <a:pPr lvl="1"/>
             <a:r>
-              <a:rPr lang="en-US" cap="none" dirty="0" smtClean="0"/>
+              <a:rPr lang="en-US" cap="none" dirty="0"/>
               <a:t>add/delete new customers</a:t>
             </a:r>
-            <a:endParaRPr lang="en-US" cap="none" dirty="0"/>
           </a:p>
         </p:txBody>
       </p:sp>
@@ -5982,7 +6184,7 @@
 </p:sld>
 </file>
 
-<file path=ppt/slides/slide3.xml><?xml version="1.0" encoding="utf-8"?>
+<file path=ppt/slides/slide4.xml><?xml version="1.0" encoding="utf-8"?>
 <p:sld xmlns:a="http://schemas.openxmlformats.org/drawingml/2006/main" xmlns:r="http://schemas.openxmlformats.org/officeDocument/2006/relationships" xmlns:p="http://schemas.openxmlformats.org/presentationml/2006/main">
   <p:cSld>
     <p:spTree>
@@ -6080,10 +6282,9 @@
             <a:p>
               <a:pPr algn="ctr"/>
               <a:r>
-                <a:rPr lang="en-US" sz="1600" dirty="0" smtClean="0"/>
+                <a:rPr lang="en-US" sz="1600" dirty="0"/>
                 <a:t>Cardholders</a:t>
               </a:r>
-              <a:endParaRPr lang="en-US" sz="1600" dirty="0"/>
             </a:p>
           </p:txBody>
         </p:sp>
@@ -6169,10 +6370,9 @@
             <a:p>
               <a:pPr algn="ctr"/>
               <a:r>
-                <a:rPr lang="en-US" sz="900" dirty="0" smtClean="0"/>
+                <a:rPr lang="en-US" sz="900" dirty="0"/>
                 <a:t>isa</a:t>
               </a:r>
-              <a:endParaRPr lang="en-US" sz="900" dirty="0"/>
             </a:p>
           </p:txBody>
         </p:sp>
@@ -6258,10 +6458,9 @@
             <a:p>
               <a:pPr algn="ctr"/>
               <a:r>
-                <a:rPr lang="en-US" sz="1000" dirty="0" smtClean="0"/>
+                <a:rPr lang="en-US" sz="1000" dirty="0"/>
                 <a:t>Cardholder_Item</a:t>
               </a:r>
-              <a:endParaRPr lang="en-US" sz="1000" dirty="0"/>
             </a:p>
           </p:txBody>
         </p:sp>
@@ -6344,7 +6543,7 @@
             <a:p>
               <a:pPr algn="ctr"/>
               <a:r>
-                <a:rPr lang="en-US" sz="1200" dirty="0" smtClean="0"/>
+                <a:rPr lang="en-US" sz="1200" dirty="0"/>
                 <a:t>role</a:t>
               </a:r>
             </a:p>
@@ -6432,10 +6631,9 @@
             <a:p>
               <a:pPr algn="ctr"/>
               <a:r>
-                <a:rPr lang="en-US" dirty="0" smtClean="0"/>
+                <a:rPr lang="en-US" dirty="0"/>
                 <a:t>Movies</a:t>
               </a:r>
-              <a:endParaRPr lang="en-US" dirty="0"/>
             </a:p>
           </p:txBody>
         </p:sp>
@@ -6521,10 +6719,9 @@
             <a:p>
               <a:pPr algn="ctr"/>
               <a:r>
-                <a:rPr lang="en-US" dirty="0" smtClean="0"/>
+                <a:rPr lang="en-US" dirty="0"/>
                 <a:t>People</a:t>
               </a:r>
-              <a:endParaRPr lang="en-US" dirty="0"/>
             </a:p>
           </p:txBody>
         </p:sp>
@@ -6610,10 +6807,9 @@
             <a:p>
               <a:pPr algn="ctr"/>
               <a:r>
-                <a:rPr lang="en-US" dirty="0" smtClean="0"/>
+                <a:rPr lang="en-US" dirty="0"/>
                 <a:t>Awards</a:t>
               </a:r>
-              <a:endParaRPr lang="en-US" dirty="0"/>
             </a:p>
           </p:txBody>
         </p:sp>
@@ -6699,10 +6895,9 @@
             <a:p>
               <a:pPr algn="ctr"/>
               <a:r>
-                <a:rPr lang="en-US" dirty="0" smtClean="0"/>
+                <a:rPr lang="en-US" dirty="0"/>
                 <a:t>Fines</a:t>
               </a:r>
-              <a:endParaRPr lang="en-US" dirty="0"/>
             </a:p>
           </p:txBody>
         </p:sp>
@@ -6788,7 +6983,7 @@
             <a:p>
               <a:pPr algn="ctr"/>
               <a:r>
-                <a:rPr lang="en-US" dirty="0" smtClean="0"/>
+                <a:rPr lang="en-US" dirty="0"/>
                 <a:t>Genres</a:t>
               </a:r>
             </a:p>
@@ -6876,10 +7071,9 @@
             <a:p>
               <a:pPr algn="ctr"/>
               <a:r>
-                <a:rPr lang="en-US" dirty="0" smtClean="0"/>
+                <a:rPr lang="en-US" dirty="0"/>
                 <a:t>Condit</a:t>
               </a:r>
-              <a:endParaRPr lang="en-US" dirty="0"/>
             </a:p>
           </p:txBody>
         </p:sp>
@@ -6965,10 +7159,9 @@
             <a:p>
               <a:pPr algn="ctr"/>
               <a:r>
-                <a:rPr lang="en-US" dirty="0" smtClean="0"/>
+                <a:rPr lang="en-US" dirty="0"/>
                 <a:t>Items</a:t>
               </a:r>
-              <a:endParaRPr lang="en-US" dirty="0"/>
             </a:p>
           </p:txBody>
         </p:sp>
@@ -7054,10 +7247,9 @@
             <a:p>
               <a:pPr algn="ctr"/>
               <a:r>
-                <a:rPr lang="en-US" dirty="0" smtClean="0"/>
+                <a:rPr lang="en-US" dirty="0"/>
                 <a:t>Books</a:t>
               </a:r>
-              <a:endParaRPr lang="en-US" dirty="0"/>
             </a:p>
           </p:txBody>
         </p:sp>
@@ -7143,10 +7335,9 @@
             <a:p>
               <a:pPr algn="ctr"/>
               <a:r>
-                <a:rPr lang="en-US" dirty="0" smtClean="0"/>
+                <a:rPr lang="en-US" dirty="0"/>
                 <a:t>Roles</a:t>
               </a:r>
-              <a:endParaRPr lang="en-US" dirty="0"/>
             </a:p>
           </p:txBody>
         </p:sp>
@@ -7302,7 +7493,7 @@
             <a:p>
               <a:pPr algn="ctr"/>
               <a:r>
-                <a:rPr lang="en-US" sz="1000" b="1" dirty="0" smtClean="0"/>
+                <a:rPr lang="en-US" sz="1000" b="1" dirty="0"/>
                 <a:t>Owes</a:t>
               </a:r>
             </a:p>
@@ -7424,7 +7615,7 @@
             <a:p>
               <a:pPr algn="ctr"/>
               <a:r>
-                <a:rPr lang="en-US" sz="1000" dirty="0" smtClean="0"/>
+                <a:rPr lang="en-US" sz="1000" dirty="0"/>
                 <a:t>Awards_Won</a:t>
               </a:r>
             </a:p>
@@ -7512,7 +7703,7 @@
             <a:p>
               <a:pPr algn="ctr"/>
               <a:r>
-                <a:rPr lang="en-US" sz="1200" dirty="0" smtClean="0"/>
+                <a:rPr lang="en-US" sz="1200" dirty="0"/>
                 <a:t>Peopl_Roles_Items</a:t>
               </a:r>
             </a:p>
@@ -7600,7 +7791,7 @@
             <a:p>
               <a:pPr algn="ctr"/>
               <a:r>
-                <a:rPr lang="en-US" sz="1000" dirty="0" smtClean="0"/>
+                <a:rPr lang="en-US" sz="1000" dirty="0"/>
                 <a:t>Item_Condition</a:t>
               </a:r>
             </a:p>
@@ -7688,7 +7879,7 @@
             <a:p>
               <a:pPr algn="ctr"/>
               <a:r>
-                <a:rPr lang="en-US" sz="1000" dirty="0" smtClean="0"/>
+                <a:rPr lang="en-US" sz="1000" dirty="0"/>
                 <a:t>Item_Genre</a:t>
               </a:r>
             </a:p>
@@ -7776,10 +7967,9 @@
             <a:p>
               <a:pPr algn="ctr"/>
               <a:r>
-                <a:rPr lang="en-US" sz="900" dirty="0" smtClean="0"/>
+                <a:rPr lang="en-US" sz="900" dirty="0"/>
                 <a:t>isa</a:t>
               </a:r>
-              <a:endParaRPr lang="en-US" sz="900" dirty="0"/>
             </a:p>
           </p:txBody>
         </p:sp>
@@ -8452,10 +8642,9 @@
             <a:p>
               <a:pPr algn="ctr"/>
               <a:r>
-                <a:rPr lang="en-US" sz="1200" u="sng" dirty="0" smtClean="0"/>
+                <a:rPr lang="en-US" sz="1200" u="sng" dirty="0"/>
                 <a:t>username</a:t>
               </a:r>
-              <a:endParaRPr lang="en-US" sz="1200" u="sng" dirty="0"/>
             </a:p>
           </p:txBody>
         </p:sp>
@@ -8538,7 +8727,7 @@
             <a:p>
               <a:pPr algn="ctr"/>
               <a:r>
-                <a:rPr lang="en-US" sz="1200" u="sng" dirty="0" smtClean="0"/>
+                <a:rPr lang="en-US" sz="1200" u="sng" dirty="0"/>
                 <a:t>role_code</a:t>
               </a:r>
             </a:p>
@@ -8691,7 +8880,7 @@
             <a:p>
               <a:pPr algn="ctr"/>
               <a:r>
-                <a:rPr lang="en-US" sz="1200" u="sng" dirty="0" smtClean="0"/>
+                <a:rPr lang="en-US" sz="1200" u="sng" dirty="0"/>
                 <a:t>genre_id</a:t>
               </a:r>
             </a:p>
@@ -8776,7 +8965,7 @@
             <a:p>
               <a:pPr algn="ctr"/>
               <a:r>
-                <a:rPr lang="en-US" sz="1200" dirty="0" smtClean="0"/>
+                <a:rPr lang="en-US" sz="1200" dirty="0"/>
                 <a:t>genre</a:t>
               </a:r>
             </a:p>
@@ -8929,7 +9118,7 @@
             <a:p>
               <a:pPr algn="ctr"/>
               <a:r>
-                <a:rPr lang="en-US" sz="1200" u="sng" dirty="0" smtClean="0"/>
+                <a:rPr lang="en-US" sz="1200" u="sng" dirty="0"/>
                 <a:t>code</a:t>
               </a:r>
             </a:p>
@@ -9014,7 +9203,7 @@
             <a:p>
               <a:pPr algn="ctr"/>
               <a:r>
-                <a:rPr lang="en-US" sz="1200" dirty="0" smtClean="0"/>
+                <a:rPr lang="en-US" sz="1200" dirty="0"/>
                 <a:t>condit</a:t>
               </a:r>
             </a:p>
@@ -9167,7 +9356,7 @@
             <a:p>
               <a:pPr algn="ctr"/>
               <a:r>
-                <a:rPr lang="en-US" sz="1200" dirty="0" smtClean="0"/>
+                <a:rPr lang="en-US" sz="1200" dirty="0"/>
                 <a:t>barcode_no</a:t>
               </a:r>
             </a:p>
@@ -9252,7 +9441,7 @@
             <a:p>
               <a:pPr algn="ctr"/>
               <a:r>
-                <a:rPr lang="en-US" sz="1200" dirty="0" smtClean="0"/>
+                <a:rPr lang="en-US" sz="1200" dirty="0"/>
                 <a:t>description</a:t>
               </a:r>
             </a:p>
@@ -9337,7 +9526,7 @@
             <a:p>
               <a:pPr algn="ctr"/>
               <a:r>
-                <a:rPr lang="en-US" sz="1200" dirty="0" smtClean="0"/>
+                <a:rPr lang="en-US" sz="1200" dirty="0"/>
                 <a:t>duration</a:t>
               </a:r>
             </a:p>
@@ -9422,7 +9611,7 @@
             <a:p>
               <a:pPr algn="ctr"/>
               <a:r>
-                <a:rPr lang="en-US" sz="1200" dirty="0" smtClean="0"/>
+                <a:rPr lang="en-US" sz="1200" dirty="0"/>
                 <a:t>studio</a:t>
               </a:r>
             </a:p>
@@ -9643,7 +9832,7 @@
             <a:p>
               <a:pPr algn="ctr"/>
               <a:r>
-                <a:rPr lang="en-US" sz="1200" dirty="0" smtClean="0"/>
+                <a:rPr lang="en-US" sz="1200" dirty="0"/>
                 <a:t>isbn</a:t>
               </a:r>
             </a:p>
@@ -9728,7 +9917,7 @@
             <a:p>
               <a:pPr algn="ctr"/>
               <a:r>
-                <a:rPr lang="en-US" sz="1200" dirty="0" smtClean="0"/>
+                <a:rPr lang="en-US" sz="1200" dirty="0"/>
                 <a:t>publisher</a:t>
               </a:r>
             </a:p>
@@ -9813,7 +10002,7 @@
             <a:p>
               <a:pPr algn="ctr"/>
               <a:r>
-                <a:rPr lang="en-US" sz="1200" dirty="0" smtClean="0"/>
+                <a:rPr lang="en-US" sz="1200" dirty="0"/>
                 <a:t>num_pages</a:t>
               </a:r>
             </a:p>
@@ -10000,7 +10189,7 @@
             <a:p>
               <a:pPr algn="ctr"/>
               <a:r>
-                <a:rPr lang="en-US" sz="1200" dirty="0" smtClean="0"/>
+                <a:rPr lang="en-US" sz="1200" dirty="0"/>
                 <a:t>available</a:t>
               </a:r>
             </a:p>
@@ -10085,7 +10274,7 @@
             <a:p>
               <a:pPr algn="ctr"/>
               <a:r>
-                <a:rPr lang="en-US" sz="1200" dirty="0" smtClean="0"/>
+                <a:rPr lang="en-US" sz="1200" dirty="0"/>
                 <a:t>title</a:t>
               </a:r>
             </a:p>
@@ -10170,7 +10359,7 @@
             <a:p>
               <a:pPr algn="ctr"/>
               <a:r>
-                <a:rPr lang="en-US" sz="1200" dirty="0" smtClean="0"/>
+                <a:rPr lang="en-US" sz="1200" dirty="0"/>
                 <a:t>damage_fine</a:t>
               </a:r>
             </a:p>
@@ -10255,7 +10444,7 @@
             <a:p>
               <a:pPr algn="ctr"/>
               <a:r>
-                <a:rPr lang="en-US" sz="1200" dirty="0" smtClean="0"/>
+                <a:rPr lang="en-US" sz="1200" dirty="0"/>
                 <a:t>weekly_fine</a:t>
               </a:r>
             </a:p>
@@ -10340,7 +10529,7 @@
             <a:p>
               <a:pPr algn="ctr"/>
               <a:r>
-                <a:rPr lang="en-US" sz="1200" u="sng" dirty="0" smtClean="0"/>
+                <a:rPr lang="en-US" sz="1200" u="sng" dirty="0"/>
                 <a:t>item_id</a:t>
               </a:r>
             </a:p>
@@ -10593,7 +10782,7 @@
             <a:p>
               <a:pPr algn="ctr"/>
               <a:r>
-                <a:rPr lang="en-US" sz="1200" dirty="0" smtClean="0"/>
+                <a:rPr lang="en-US" sz="1200" dirty="0"/>
                 <a:t>birth_date</a:t>
               </a:r>
             </a:p>
@@ -10678,7 +10867,7 @@
             <a:p>
               <a:pPr algn="ctr"/>
               <a:r>
-                <a:rPr lang="en-US" sz="1200" dirty="0" smtClean="0"/>
+                <a:rPr lang="en-US" sz="1200" dirty="0"/>
                 <a:t>death_date</a:t>
               </a:r>
             </a:p>
@@ -10763,7 +10952,7 @@
             <a:p>
               <a:pPr algn="ctr"/>
               <a:r>
-                <a:rPr lang="en-US" sz="1200" dirty="0" smtClean="0"/>
+                <a:rPr lang="en-US" sz="1200" dirty="0"/>
                 <a:t>last_name</a:t>
               </a:r>
             </a:p>
@@ -10848,7 +11037,7 @@
             <a:p>
               <a:pPr algn="ctr"/>
               <a:r>
-                <a:rPr lang="en-US" sz="1200" dirty="0" smtClean="0"/>
+                <a:rPr lang="en-US" sz="1200" dirty="0"/>
                 <a:t>first_name</a:t>
               </a:r>
             </a:p>
@@ -10933,7 +11122,7 @@
             <a:p>
               <a:pPr algn="ctr"/>
               <a:r>
-                <a:rPr lang="en-US" sz="1200" u="sng" dirty="0" smtClean="0"/>
+                <a:rPr lang="en-US" sz="1200" u="sng" dirty="0"/>
                 <a:t>person_id</a:t>
               </a:r>
             </a:p>
@@ -11018,7 +11207,7 @@
             <a:p>
               <a:pPr algn="ctr"/>
               <a:r>
-                <a:rPr lang="en-US" sz="1200" dirty="0" smtClean="0"/>
+                <a:rPr lang="en-US" sz="1200" dirty="0"/>
                 <a:t>twitter</a:t>
               </a:r>
             </a:p>
@@ -11103,7 +11292,7 @@
             <a:p>
               <a:pPr algn="ctr"/>
               <a:r>
-                <a:rPr lang="en-US" sz="1200" dirty="0" smtClean="0"/>
+                <a:rPr lang="en-US" sz="1200" dirty="0"/>
                 <a:t>name</a:t>
               </a:r>
             </a:p>
@@ -11188,7 +11377,7 @@
             <a:p>
               <a:pPr algn="ctr"/>
               <a:r>
-                <a:rPr lang="en-US" sz="1200" u="sng" dirty="0" smtClean="0"/>
+                <a:rPr lang="en-US" sz="1200" u="sng" dirty="0"/>
                 <a:t>award_id</a:t>
               </a:r>
             </a:p>
@@ -11543,10 +11732,9 @@
             <a:p>
               <a:pPr algn="ctr"/>
               <a:r>
-                <a:rPr lang="en-US" sz="1200" u="sng" dirty="0" smtClean="0"/>
+                <a:rPr lang="en-US" sz="1200" u="sng" dirty="0"/>
                 <a:t>c_id</a:t>
               </a:r>
-              <a:endParaRPr lang="en-US" sz="1200" u="sng" dirty="0"/>
             </a:p>
           </p:txBody>
         </p:sp>
@@ -11629,10 +11817,9 @@
             <a:p>
               <a:pPr algn="ctr"/>
               <a:r>
-                <a:rPr lang="en-US" sz="1200" dirty="0" smtClean="0"/>
+                <a:rPr lang="en-US" sz="1200" dirty="0"/>
                 <a:t>password</a:t>
               </a:r>
-              <a:endParaRPr lang="en-US" sz="1200" dirty="0"/>
             </a:p>
           </p:txBody>
         </p:sp>
@@ -11715,10 +11902,9 @@
             <a:p>
               <a:pPr algn="ctr"/>
               <a:r>
-                <a:rPr lang="en-US" sz="1200" dirty="0" smtClean="0"/>
+                <a:rPr lang="en-US" sz="1200" dirty="0"/>
                 <a:t>phone</a:t>
               </a:r>
-              <a:endParaRPr lang="en-US" sz="1200" dirty="0"/>
             </a:p>
           </p:txBody>
         </p:sp>
@@ -11801,10 +11987,9 @@
             <a:p>
               <a:pPr algn="ctr"/>
               <a:r>
-                <a:rPr lang="en-US" sz="1200" dirty="0" smtClean="0"/>
+                <a:rPr lang="en-US" sz="1200" dirty="0"/>
                 <a:t>name</a:t>
               </a:r>
-              <a:endParaRPr lang="en-US" sz="1200" dirty="0"/>
             </a:p>
           </p:txBody>
         </p:sp>
@@ -11887,10 +12072,9 @@
             <a:p>
               <a:pPr algn="ctr"/>
               <a:r>
-                <a:rPr lang="en-US" sz="1200" dirty="0" smtClean="0"/>
+                <a:rPr lang="en-US" sz="1200" dirty="0"/>
                 <a:t>address</a:t>
               </a:r>
-              <a:endParaRPr lang="en-US" sz="1200" dirty="0"/>
             </a:p>
           </p:txBody>
         </p:sp>
@@ -12177,10 +12361,9 @@
             <a:p>
               <a:pPr algn="ctr"/>
               <a:r>
-                <a:rPr lang="en-US" sz="1200" u="sng" dirty="0" smtClean="0"/>
+                <a:rPr lang="en-US" sz="1200" u="sng" dirty="0"/>
                 <a:t>fine_id</a:t>
               </a:r>
-              <a:endParaRPr lang="en-US" sz="1200" u="sng" dirty="0"/>
             </a:p>
           </p:txBody>
         </p:sp>
@@ -12263,10 +12446,9 @@
             <a:p>
               <a:pPr algn="ctr"/>
               <a:r>
-                <a:rPr lang="en-US" sz="1200" dirty="0" smtClean="0"/>
+                <a:rPr lang="en-US" sz="1200" dirty="0"/>
                 <a:t>amount</a:t>
               </a:r>
-              <a:endParaRPr lang="en-US" sz="1200" dirty="0"/>
             </a:p>
           </p:txBody>
         </p:sp>
@@ -12349,10 +12531,9 @@
             <a:p>
               <a:pPr algn="ctr"/>
               <a:r>
-                <a:rPr lang="en-US" sz="1200" dirty="0" smtClean="0"/>
+                <a:rPr lang="en-US" sz="1200" dirty="0"/>
                 <a:t>paid</a:t>
               </a:r>
-              <a:endParaRPr lang="en-US" sz="1200" dirty="0"/>
             </a:p>
           </p:txBody>
         </p:sp>
@@ -12435,10 +12616,9 @@
             <a:p>
               <a:pPr algn="ctr"/>
               <a:r>
-                <a:rPr lang="en-US" sz="1200" dirty="0" smtClean="0"/>
+                <a:rPr lang="en-US" sz="1200" dirty="0"/>
                 <a:t>due_date</a:t>
               </a:r>
-              <a:endParaRPr lang="en-US" sz="1200" dirty="0"/>
             </a:p>
           </p:txBody>
         </p:sp>
@@ -12521,10 +12701,9 @@
             <a:p>
               <a:pPr algn="ctr"/>
               <a:r>
-                <a:rPr lang="en-US" sz="1200" dirty="0" smtClean="0"/>
+                <a:rPr lang="en-US" sz="1200" dirty="0"/>
                 <a:t>description</a:t>
               </a:r>
-              <a:endParaRPr lang="en-US" sz="1200" dirty="0"/>
             </a:p>
           </p:txBody>
         </p:sp>
@@ -12777,7 +12956,7 @@
             <a:p>
               <a:pPr algn="ctr"/>
               <a:r>
-                <a:rPr lang="en-US" sz="1200" dirty="0" smtClean="0"/>
+                <a:rPr lang="en-US" sz="1200" dirty="0"/>
                 <a:t>due_date</a:t>
               </a:r>
             </a:p>
@@ -12896,7 +13075,7 @@
             <a:p>
               <a:pPr algn="ctr"/>
               <a:r>
-                <a:rPr lang="en-US" sz="1200" u="sng" dirty="0" smtClean="0"/>
+                <a:rPr lang="en-US" sz="1200" u="sng" dirty="0"/>
                 <a:t>year_won</a:t>
               </a:r>
             </a:p>
@@ -12941,124 +13120,6 @@
     <p:extLst>
       <p:ext uri="{BB962C8B-B14F-4D97-AF65-F5344CB8AC3E}">
         <p14:creationId xmlns:p14="http://schemas.microsoft.com/office/powerpoint/2010/main" val="3012378833"/>
-      </p:ext>
-    </p:extLst>
-  </p:cSld>
-  <p:clrMapOvr>
-    <a:masterClrMapping/>
-  </p:clrMapOvr>
-  <p:timing>
-    <p:tnLst>
-      <p:par>
-        <p:cTn id="1" dur="indefinite" restart="never" nodeType="tmRoot"/>
-      </p:par>
-    </p:tnLst>
-  </p:timing>
-</p:sld>
-</file>
-
-<file path=ppt/slides/slide4.xml><?xml version="1.0" encoding="utf-8"?>
-<p:sld xmlns:a="http://schemas.openxmlformats.org/drawingml/2006/main" xmlns:r="http://schemas.openxmlformats.org/officeDocument/2006/relationships" xmlns:p="http://schemas.openxmlformats.org/presentationml/2006/main">
-  <p:cSld>
-    <p:spTree>
-      <p:nvGrpSpPr>
-        <p:cNvPr id="1" name=""/>
-        <p:cNvGrpSpPr/>
-        <p:nvPr/>
-      </p:nvGrpSpPr>
-      <p:grpSpPr>
-        <a:xfrm>
-          <a:off x="0" y="0"/>
-          <a:ext cx="0" cy="0"/>
-          <a:chOff x="0" y="0"/>
-          <a:chExt cx="0" cy="0"/>
-        </a:xfrm>
-      </p:grpSpPr>
-      <p:sp>
-        <p:nvSpPr>
-          <p:cNvPr id="2" name="Title 1"/>
-          <p:cNvSpPr>
-            <a:spLocks noGrp="1"/>
-          </p:cNvSpPr>
-          <p:nvPr>
-            <p:ph type="title"/>
-          </p:nvPr>
-        </p:nvSpPr>
-        <p:spPr/>
-        <p:txBody>
-          <a:bodyPr/>
-          <a:lstStyle/>
-          <a:p>
-            <a:r>
-              <a:rPr lang="en-US" dirty="0" smtClean="0"/>
-              <a:t>Technical </a:t>
-            </a:r>
-            <a:r>
-              <a:rPr lang="en-US" dirty="0" err="1" smtClean="0"/>
-              <a:t>Deets</a:t>
-            </a:r>
-            <a:endParaRPr lang="en-US" dirty="0"/>
-          </a:p>
-        </p:txBody>
-      </p:sp>
-      <p:sp>
-        <p:nvSpPr>
-          <p:cNvPr id="3" name="Content Placeholder 2"/>
-          <p:cNvSpPr>
-            <a:spLocks noGrp="1"/>
-          </p:cNvSpPr>
-          <p:nvPr>
-            <p:ph idx="1"/>
-          </p:nvPr>
-        </p:nvSpPr>
-        <p:spPr/>
-        <p:txBody>
-          <a:bodyPr/>
-          <a:lstStyle/>
-          <a:p>
-            <a:r>
-              <a:rPr lang="en-US" dirty="0" smtClean="0"/>
-              <a:t>C# Application</a:t>
-            </a:r>
-          </a:p>
-          <a:p>
-            <a:r>
-              <a:rPr lang="en-US" dirty="0" smtClean="0"/>
-              <a:t>MySQL Database</a:t>
-            </a:r>
-          </a:p>
-          <a:p>
-            <a:r>
-              <a:rPr lang="en-US" dirty="0" smtClean="0"/>
-              <a:t>potential for expansion?</a:t>
-            </a:r>
-          </a:p>
-          <a:p>
-            <a:endParaRPr lang="en-US" dirty="0"/>
-          </a:p>
-          <a:p>
-            <a:r>
-              <a:rPr lang="en-US" dirty="0" smtClean="0"/>
-              <a:t>Make use of keys and constraints</a:t>
-            </a:r>
-          </a:p>
-          <a:p>
-            <a:r>
-              <a:rPr lang="en-US" dirty="0" smtClean="0"/>
-              <a:t>Uses transactions to ensure </a:t>
-            </a:r>
-            <a:r>
-              <a:rPr lang="en-US" smtClean="0"/>
-              <a:t>data security</a:t>
-            </a:r>
-            <a:endParaRPr lang="en-US" dirty="0" smtClean="0"/>
-          </a:p>
-        </p:txBody>
-      </p:sp>
-    </p:spTree>
-    <p:extLst>
-      <p:ext uri="{BB962C8B-B14F-4D97-AF65-F5344CB8AC3E}">
-        <p14:creationId xmlns:p14="http://schemas.microsoft.com/office/powerpoint/2010/main" val="504750236"/>
       </p:ext>
     </p:extLst>
   </p:cSld>
@@ -13100,6 +13161,117 @@
           <a:bodyPr/>
           <a:lstStyle/>
           <a:p>
+            <a:r>
+              <a:rPr lang="en-US" dirty="0"/>
+              <a:t>Technical </a:t>
+            </a:r>
+            <a:r>
+              <a:rPr lang="en-US" dirty="0" err="1"/>
+              <a:t>Deets</a:t>
+            </a:r>
+            <a:endParaRPr lang="en-US" dirty="0"/>
+          </a:p>
+        </p:txBody>
+      </p:sp>
+      <p:sp>
+        <p:nvSpPr>
+          <p:cNvPr id="3" name="Content Placeholder 2"/>
+          <p:cNvSpPr>
+            <a:spLocks noGrp="1"/>
+          </p:cNvSpPr>
+          <p:nvPr>
+            <p:ph idx="1"/>
+          </p:nvPr>
+        </p:nvSpPr>
+        <p:spPr/>
+        <p:txBody>
+          <a:bodyPr/>
+          <a:lstStyle/>
+          <a:p>
+            <a:r>
+              <a:rPr lang="en-US" dirty="0"/>
+              <a:t>C# Application</a:t>
+            </a:r>
+          </a:p>
+          <a:p>
+            <a:r>
+              <a:rPr lang="en-US" dirty="0"/>
+              <a:t>MySQL Database</a:t>
+            </a:r>
+          </a:p>
+          <a:p>
+            <a:r>
+              <a:rPr lang="en-US" dirty="0"/>
+              <a:t>potential for expansion?</a:t>
+            </a:r>
+          </a:p>
+          <a:p>
+            <a:endParaRPr lang="en-US" dirty="0"/>
+          </a:p>
+          <a:p>
+            <a:r>
+              <a:rPr lang="en-US" dirty="0"/>
+              <a:t>Make use of keys and constraints</a:t>
+            </a:r>
+          </a:p>
+          <a:p>
+            <a:r>
+              <a:rPr lang="en-US" dirty="0"/>
+              <a:t>Uses transactions to ensure </a:t>
+            </a:r>
+            <a:r>
+              <a:rPr lang="en-US"/>
+              <a:t>data security</a:t>
+            </a:r>
+            <a:endParaRPr lang="en-US" dirty="0"/>
+          </a:p>
+        </p:txBody>
+      </p:sp>
+    </p:spTree>
+    <p:extLst>
+      <p:ext uri="{BB962C8B-B14F-4D97-AF65-F5344CB8AC3E}">
+        <p14:creationId xmlns:p14="http://schemas.microsoft.com/office/powerpoint/2010/main" val="504750236"/>
+      </p:ext>
+    </p:extLst>
+  </p:cSld>
+  <p:clrMapOvr>
+    <a:masterClrMapping/>
+  </p:clrMapOvr>
+</p:sld>
+</file>
+
+<file path=ppt/slides/slide6.xml><?xml version="1.0" encoding="utf-8"?>
+<p:sld xmlns:a="http://schemas.openxmlformats.org/drawingml/2006/main" xmlns:r="http://schemas.openxmlformats.org/officeDocument/2006/relationships" xmlns:p="http://schemas.openxmlformats.org/presentationml/2006/main">
+  <p:cSld>
+    <p:spTree>
+      <p:nvGrpSpPr>
+        <p:cNvPr id="1" name=""/>
+        <p:cNvGrpSpPr/>
+        <p:nvPr/>
+      </p:nvGrpSpPr>
+      <p:grpSpPr>
+        <a:xfrm>
+          <a:off x="0" y="0"/>
+          <a:ext cx="0" cy="0"/>
+          <a:chOff x="0" y="0"/>
+          <a:chExt cx="0" cy="0"/>
+        </a:xfrm>
+      </p:grpSpPr>
+      <p:sp>
+        <p:nvSpPr>
+          <p:cNvPr id="2" name="Title 1"/>
+          <p:cNvSpPr>
+            <a:spLocks noGrp="1"/>
+          </p:cNvSpPr>
+          <p:nvPr>
+            <p:ph type="title"/>
+          </p:nvPr>
+        </p:nvSpPr>
+        <p:spPr/>
+        <p:txBody>
+          <a:bodyPr/>
+          <a:lstStyle/>
+          <a:p>
             <a:endParaRPr lang="en-US" dirty="0"/>
           </a:p>
         </p:txBody>
@@ -13157,13 +13329,6 @@
   <p:clrMapOvr>
     <a:masterClrMapping/>
   </p:clrMapOvr>
-  <p:timing>
-    <p:tnLst>
-      <p:par>
-        <p:cTn id="1" dur="indefinite" restart="never" nodeType="tmRoot"/>
-      </p:par>
-    </p:tnLst>
-  </p:timing>
 </p:sld>
 </file>
 

--- a/The Ashy Bookshelf.pptx
+++ b/The Ashy Bookshelf.pptx
@@ -10,7 +10,6 @@
     <p:sldId id="259" r:id="rId4"/>
     <p:sldId id="258" r:id="rId5"/>
     <p:sldId id="260" r:id="rId6"/>
-    <p:sldId id="257" r:id="rId7"/>
   </p:sldIdLst>
   <p:sldSz cx="12192000" cy="6858000"/>
   <p:notesSz cx="6858000" cy="9144000"/>
@@ -5756,6 +5755,10 @@
             <a:br>
               <a:rPr lang="en-US" sz="3200" cap="none" dirty="0"/>
             </a:br>
+            <a:r>
+              <a:rPr lang="en-US" sz="3200" cap="none" dirty="0"/>
+              <a:t/>
+            </a:r>
             <a:br>
               <a:rPr lang="en-US" sz="3200" cap="none" dirty="0"/>
             </a:br>
@@ -5766,6 +5769,10 @@
             <a:br>
               <a:rPr lang="en-US" sz="1800" cap="none" dirty="0"/>
             </a:br>
+            <a:r>
+              <a:rPr lang="en-US" sz="3200" cap="none" dirty="0"/>
+              <a:t/>
+            </a:r>
             <a:br>
               <a:rPr lang="en-US" sz="3200" cap="none" dirty="0"/>
             </a:br>
@@ -5996,7 +6003,7 @@
         </p:nvSpPr>
         <p:spPr>
           <a:xfrm>
-            <a:off x="643192" y="2666999"/>
+            <a:off x="643192" y="2285259"/>
             <a:ext cx="3643674" cy="3216276"/>
           </a:xfrm>
         </p:spPr>
@@ -6019,7 +6026,7 @@
           </a:p>
           <a:p>
             <a:r>
-              <a:rPr lang="en-US"/>
+              <a:rPr lang="en-US" dirty="0"/>
               <a:t>Software development needed</a:t>
             </a:r>
           </a:p>
@@ -13166,8 +13173,8 @@
               <a:t>Technical </a:t>
             </a:r>
             <a:r>
-              <a:rPr lang="en-US" dirty="0" err="1"/>
-              <a:t>Deets</a:t>
+              <a:rPr lang="en-US" dirty="0" err="1" smtClean="0"/>
+              <a:t>DeTailS</a:t>
             </a:r>
             <a:endParaRPr lang="en-US" dirty="0"/>
           </a:p>
@@ -13196,23 +13203,36 @@
           <a:p>
             <a:r>
               <a:rPr lang="en-US" dirty="0"/>
-              <a:t>MySQL Database</a:t>
+              <a:t>MySQL </a:t>
             </a:r>
-          </a:p>
-          <a:p>
+            <a:r>
+              <a:rPr lang="en-US" dirty="0" smtClean="0"/>
+              <a:t>Database</a:t>
+            </a:r>
+          </a:p>
+          <a:p>
+            <a:endParaRPr lang="en-US" dirty="0"/>
+          </a:p>
+          <a:p>
+            <a:r>
+              <a:rPr lang="en-US" dirty="0" smtClean="0"/>
+              <a:t>Makes </a:t>
+            </a:r>
             <a:r>
               <a:rPr lang="en-US" dirty="0"/>
-              <a:t>potential for expansion?</a:t>
+              <a:t>use of keys and </a:t>
             </a:r>
-          </a:p>
-          <a:p>
+            <a:r>
+              <a:rPr lang="en-US" dirty="0" smtClean="0"/>
+              <a:t>constraints</a:t>
+            </a:r>
+          </a:p>
+          <a:p>
+            <a:r>
+              <a:rPr lang="en-US" dirty="0" smtClean="0"/>
+              <a:t>Used Mockaroo to generate data</a:t>
+            </a:r>
             <a:endParaRPr lang="en-US" dirty="0"/>
-          </a:p>
-          <a:p>
-            <a:r>
-              <a:rPr lang="en-US" dirty="0"/>
-              <a:t>Make use of keys and constraints</a:t>
-            </a:r>
           </a:p>
           <a:p>
             <a:r>
@@ -13220,8 +13240,52 @@
               <a:t>Uses transactions to ensure </a:t>
             </a:r>
             <a:r>
-              <a:rPr lang="en-US"/>
-              <a:t>data security</a:t>
+              <a:rPr lang="en-US" dirty="0" smtClean="0">
+                <a:solidFill>
+                  <a:schemeClr val="accent5"/>
+                </a:solidFill>
+              </a:rPr>
+              <a:t>A</a:t>
+            </a:r>
+            <a:r>
+              <a:rPr lang="en-US" dirty="0" smtClean="0"/>
+              <a:t>tomicity, </a:t>
+            </a:r>
+            <a:r>
+              <a:rPr lang="en-US" dirty="0" smtClean="0">
+                <a:solidFill>
+                  <a:schemeClr val="accent5"/>
+                </a:solidFill>
+              </a:rPr>
+              <a:t>C</a:t>
+            </a:r>
+            <a:r>
+              <a:rPr lang="en-US" dirty="0" smtClean="0"/>
+              <a:t>onsistency, </a:t>
+            </a:r>
+            <a:r>
+              <a:rPr lang="en-US" dirty="0" smtClean="0">
+                <a:solidFill>
+                  <a:schemeClr val="accent5"/>
+                </a:solidFill>
+              </a:rPr>
+              <a:t>I</a:t>
+            </a:r>
+            <a:r>
+              <a:rPr lang="en-US" dirty="0" smtClean="0"/>
+              <a:t>solation and </a:t>
+            </a:r>
+            <a:r>
+              <a:rPr lang="en-US" dirty="0" smtClean="0">
+                <a:solidFill>
+                  <a:schemeClr val="accent5"/>
+                </a:solidFill>
+              </a:rPr>
+              <a:t>D</a:t>
+            </a:r>
+            <a:r>
+              <a:rPr lang="en-US" dirty="0" smtClean="0"/>
+              <a:t>urability</a:t>
             </a:r>
             <a:endParaRPr lang="en-US" dirty="0"/>
           </a:p>
@@ -13231,98 +13295,6 @@
     <p:extLst>
       <p:ext uri="{BB962C8B-B14F-4D97-AF65-F5344CB8AC3E}">
         <p14:creationId xmlns:p14="http://schemas.microsoft.com/office/powerpoint/2010/main" val="504750236"/>
-      </p:ext>
-    </p:extLst>
-  </p:cSld>
-  <p:clrMapOvr>
-    <a:masterClrMapping/>
-  </p:clrMapOvr>
-</p:sld>
-</file>
-
-<file path=ppt/slides/slide6.xml><?xml version="1.0" encoding="utf-8"?>
-<p:sld xmlns:a="http://schemas.openxmlformats.org/drawingml/2006/main" xmlns:r="http://schemas.openxmlformats.org/officeDocument/2006/relationships" xmlns:p="http://schemas.openxmlformats.org/presentationml/2006/main">
-  <p:cSld>
-    <p:spTree>
-      <p:nvGrpSpPr>
-        <p:cNvPr id="1" name=""/>
-        <p:cNvGrpSpPr/>
-        <p:nvPr/>
-      </p:nvGrpSpPr>
-      <p:grpSpPr>
-        <a:xfrm>
-          <a:off x="0" y="0"/>
-          <a:ext cx="0" cy="0"/>
-          <a:chOff x="0" y="0"/>
-          <a:chExt cx="0" cy="0"/>
-        </a:xfrm>
-      </p:grpSpPr>
-      <p:sp>
-        <p:nvSpPr>
-          <p:cNvPr id="2" name="Title 1"/>
-          <p:cNvSpPr>
-            <a:spLocks noGrp="1"/>
-          </p:cNvSpPr>
-          <p:nvPr>
-            <p:ph type="title"/>
-          </p:nvPr>
-        </p:nvSpPr>
-        <p:spPr/>
-        <p:txBody>
-          <a:bodyPr/>
-          <a:lstStyle/>
-          <a:p>
-            <a:endParaRPr lang="en-US" dirty="0"/>
-          </a:p>
-        </p:txBody>
-      </p:sp>
-      <p:sp>
-        <p:nvSpPr>
-          <p:cNvPr id="3" name="Content Placeholder 2"/>
-          <p:cNvSpPr>
-            <a:spLocks noGrp="1"/>
-          </p:cNvSpPr>
-          <p:nvPr>
-            <p:ph idx="1"/>
-          </p:nvPr>
-        </p:nvSpPr>
-        <p:spPr/>
-        <p:txBody>
-          <a:bodyPr/>
-          <a:lstStyle/>
-          <a:p>
-            <a:endParaRPr lang="en-US"/>
-          </a:p>
-        </p:txBody>
-      </p:sp>
-      <p:pic>
-        <p:nvPicPr>
-          <p:cNvPr id="4" name="Picture 3"/>
-          <p:cNvPicPr>
-            <a:picLocks noChangeAspect="1"/>
-          </p:cNvPicPr>
-          <p:nvPr/>
-        </p:nvPicPr>
-        <p:blipFill>
-          <a:blip r:embed="rId2"/>
-          <a:stretch>
-            <a:fillRect/>
-          </a:stretch>
-        </p:blipFill>
-        <p:spPr>
-          <a:xfrm>
-            <a:off x="-529" y="-297"/>
-            <a:ext cx="12193057" cy="6858594"/>
-          </a:xfrm>
-          <a:prstGeom prst="rect">
-            <a:avLst/>
-          </a:prstGeom>
-        </p:spPr>
-      </p:pic>
-    </p:spTree>
-    <p:extLst>
-      <p:ext uri="{BB962C8B-B14F-4D97-AF65-F5344CB8AC3E}">
-        <p14:creationId xmlns:p14="http://schemas.microsoft.com/office/powerpoint/2010/main" val="455087377"/>
       </p:ext>
     </p:extLst>
   </p:cSld>
